--- a/Presentatie/NinjaOutbreak.pptx
+++ b/Presentatie/NinjaOutbreak.pptx
@@ -6,6 +6,14 @@
   </p:sldMasterIdLst>
   <p:sldIdLst>
     <p:sldId id="256" r:id="rId2"/>
+    <p:sldId id="257" r:id="rId3"/>
+    <p:sldId id="258" r:id="rId4"/>
+    <p:sldId id="259" r:id="rId5"/>
+    <p:sldId id="260" r:id="rId6"/>
+    <p:sldId id="261" r:id="rId7"/>
+    <p:sldId id="262" r:id="rId8"/>
+    <p:sldId id="264" r:id="rId9"/>
+    <p:sldId id="263" r:id="rId10"/>
   </p:sldIdLst>
   <p:sldSz cx="12192000" cy="6858000"/>
   <p:notesSz cx="6858000" cy="9144000"/>
@@ -104,6 +112,11 @@
       </a:defRPr>
     </a:lvl9pPr>
   </p:defaultTextStyle>
+  <p:extLst>
+    <p:ext uri="{EFAFB233-063F-42B5-8137-9DF3F51BA10A}">
+      <p15:sldGuideLst xmlns:p15="http://schemas.microsoft.com/office/powerpoint/2012/main"/>
+    </p:ext>
+  </p:extLst>
 </p:presentation>
 </file>
 
@@ -238,7 +251,7 @@
           <a:p>
             <a:fld id="{B88BB0DE-B641-421E-B315-AFCEF8F26F70}" type="datetimeFigureOut">
               <a:rPr lang="en-GB" smtClean="0"/>
-              <a:t>03/11/2016</a:t>
+              <a:t>10/11/2016</a:t>
             </a:fld>
             <a:endParaRPr lang="en-GB"/>
           </a:p>
@@ -408,7 +421,7 @@
           <a:p>
             <a:fld id="{B88BB0DE-B641-421E-B315-AFCEF8F26F70}" type="datetimeFigureOut">
               <a:rPr lang="en-GB" smtClean="0"/>
-              <a:t>03/11/2016</a:t>
+              <a:t>10/11/2016</a:t>
             </a:fld>
             <a:endParaRPr lang="en-GB"/>
           </a:p>
@@ -588,7 +601,7 @@
           <a:p>
             <a:fld id="{B88BB0DE-B641-421E-B315-AFCEF8F26F70}" type="datetimeFigureOut">
               <a:rPr lang="en-GB" smtClean="0"/>
-              <a:t>03/11/2016</a:t>
+              <a:t>10/11/2016</a:t>
             </a:fld>
             <a:endParaRPr lang="en-GB"/>
           </a:p>
@@ -758,7 +771,7 @@
           <a:p>
             <a:fld id="{B88BB0DE-B641-421E-B315-AFCEF8F26F70}" type="datetimeFigureOut">
               <a:rPr lang="en-GB" smtClean="0"/>
-              <a:t>03/11/2016</a:t>
+              <a:t>10/11/2016</a:t>
             </a:fld>
             <a:endParaRPr lang="en-GB"/>
           </a:p>
@@ -1004,7 +1017,7 @@
           <a:p>
             <a:fld id="{B88BB0DE-B641-421E-B315-AFCEF8F26F70}" type="datetimeFigureOut">
               <a:rPr lang="en-GB" smtClean="0"/>
-              <a:t>03/11/2016</a:t>
+              <a:t>10/11/2016</a:t>
             </a:fld>
             <a:endParaRPr lang="en-GB"/>
           </a:p>
@@ -1236,7 +1249,7 @@
           <a:p>
             <a:fld id="{B88BB0DE-B641-421E-B315-AFCEF8F26F70}" type="datetimeFigureOut">
               <a:rPr lang="en-GB" smtClean="0"/>
-              <a:t>03/11/2016</a:t>
+              <a:t>10/11/2016</a:t>
             </a:fld>
             <a:endParaRPr lang="en-GB"/>
           </a:p>
@@ -1603,7 +1616,7 @@
           <a:p>
             <a:fld id="{B88BB0DE-B641-421E-B315-AFCEF8F26F70}" type="datetimeFigureOut">
               <a:rPr lang="en-GB" smtClean="0"/>
-              <a:t>03/11/2016</a:t>
+              <a:t>10/11/2016</a:t>
             </a:fld>
             <a:endParaRPr lang="en-GB"/>
           </a:p>
@@ -1721,7 +1734,7 @@
           <a:p>
             <a:fld id="{B88BB0DE-B641-421E-B315-AFCEF8F26F70}" type="datetimeFigureOut">
               <a:rPr lang="en-GB" smtClean="0"/>
-              <a:t>03/11/2016</a:t>
+              <a:t>10/11/2016</a:t>
             </a:fld>
             <a:endParaRPr lang="en-GB"/>
           </a:p>
@@ -1816,7 +1829,7 @@
           <a:p>
             <a:fld id="{B88BB0DE-B641-421E-B315-AFCEF8F26F70}" type="datetimeFigureOut">
               <a:rPr lang="en-GB" smtClean="0"/>
-              <a:t>03/11/2016</a:t>
+              <a:t>10/11/2016</a:t>
             </a:fld>
             <a:endParaRPr lang="en-GB"/>
           </a:p>
@@ -2093,7 +2106,7 @@
           <a:p>
             <a:fld id="{B88BB0DE-B641-421E-B315-AFCEF8F26F70}" type="datetimeFigureOut">
               <a:rPr lang="en-GB" smtClean="0"/>
-              <a:t>03/11/2016</a:t>
+              <a:t>10/11/2016</a:t>
             </a:fld>
             <a:endParaRPr lang="en-GB"/>
           </a:p>
@@ -2346,7 +2359,7 @@
           <a:p>
             <a:fld id="{B88BB0DE-B641-421E-B315-AFCEF8F26F70}" type="datetimeFigureOut">
               <a:rPr lang="en-GB" smtClean="0"/>
-              <a:t>03/11/2016</a:t>
+              <a:t>10/11/2016</a:t>
             </a:fld>
             <a:endParaRPr lang="en-GB"/>
           </a:p>
@@ -2559,7 +2572,7 @@
           <a:p>
             <a:fld id="{B88BB0DE-B641-421E-B315-AFCEF8F26F70}" type="datetimeFigureOut">
               <a:rPr lang="en-GB" smtClean="0"/>
-              <a:t>03/11/2016</a:t>
+              <a:t>10/11/2016</a:t>
             </a:fld>
             <a:endParaRPr lang="en-GB"/>
           </a:p>
@@ -2972,12 +2985,12 @@
         </p:nvSpPr>
         <p:spPr>
           <a:xfrm>
-            <a:off x="2502569" y="517355"/>
+            <a:off x="2502569" y="608795"/>
             <a:ext cx="7347284" cy="1114927"/>
           </a:xfrm>
           <a:prstGeom prst="horizontalScroll">
             <a:avLst>
-              <a:gd name="adj" fmla="val 25000"/>
+              <a:gd name="adj" fmla="val 13489"/>
             </a:avLst>
           </a:prstGeom>
           <a:solidFill>
@@ -3023,7 +3036,7 @@
         <p:spPr>
           <a:xfrm>
             <a:off x="3136232" y="782432"/>
-            <a:ext cx="6079958" cy="584775"/>
+            <a:ext cx="6079958" cy="707886"/>
           </a:xfrm>
           <a:prstGeom prst="rect">
             <a:avLst/>
@@ -3038,8 +3051,8 @@
           <a:p>
             <a:pPr algn="ctr"/>
             <a:r>
-              <a:rPr lang="en-GB" sz="3200" dirty="0">
-                <a:latin typeface="Korean Calligraphy" panose="02000000000000000000" pitchFamily="2" charset="0"/>
+              <a:rPr lang="en-GB" sz="4000" dirty="0">
+                <a:latin typeface="Moyko" panose="02000506080000020004" pitchFamily="2" charset="0"/>
               </a:rPr>
               <a:t>Project Ninja Outbreak</a:t>
             </a:r>
@@ -3050,6 +3063,1277 @@
     <p:extLst>
       <p:ext uri="{BB962C8B-B14F-4D97-AF65-F5344CB8AC3E}">
         <p14:creationId xmlns:p14="http://schemas.microsoft.com/office/powerpoint/2010/main" val="650053839"/>
+      </p:ext>
+    </p:extLst>
+  </p:cSld>
+  <p:clrMapOvr>
+    <a:masterClrMapping/>
+  </p:clrMapOvr>
+</p:sld>
+</file>
+
+<file path=ppt/slides/slide2.xml><?xml version="1.0" encoding="utf-8"?>
+<p:sld xmlns:a="http://schemas.openxmlformats.org/drawingml/2006/main" xmlns:r="http://schemas.openxmlformats.org/officeDocument/2006/relationships" xmlns:p="http://schemas.openxmlformats.org/presentationml/2006/main">
+  <p:cSld>
+    <p:spTree>
+      <p:nvGrpSpPr>
+        <p:cNvPr id="1" name=""/>
+        <p:cNvGrpSpPr/>
+        <p:nvPr/>
+      </p:nvGrpSpPr>
+      <p:grpSpPr>
+        <a:xfrm>
+          <a:off x="0" y="0"/>
+          <a:ext cx="0" cy="0"/>
+          <a:chOff x="0" y="0"/>
+          <a:chExt cx="0" cy="0"/>
+        </a:xfrm>
+      </p:grpSpPr>
+      <p:sp>
+        <p:nvSpPr>
+          <p:cNvPr id="4" name="Horizontal Scroll 3"/>
+          <p:cNvSpPr/>
+          <p:nvPr/>
+        </p:nvSpPr>
+        <p:spPr>
+          <a:xfrm>
+            <a:off x="549078" y="147570"/>
+            <a:ext cx="3025395" cy="1114927"/>
+          </a:xfrm>
+          <a:prstGeom prst="horizontalScroll">
+            <a:avLst>
+              <a:gd name="adj" fmla="val 13489"/>
+            </a:avLst>
+          </a:prstGeom>
+          <a:solidFill>
+            <a:srgbClr val="E2B84E"/>
+          </a:solidFill>
+          <a:ln>
+            <a:solidFill>
+              <a:srgbClr val="E27C0C"/>
+            </a:solidFill>
+          </a:ln>
+        </p:spPr>
+        <p:style>
+          <a:lnRef idx="2">
+            <a:schemeClr val="accent1">
+              <a:shade val="50000"/>
+            </a:schemeClr>
+          </a:lnRef>
+          <a:fillRef idx="1">
+            <a:schemeClr val="accent1"/>
+          </a:fillRef>
+          <a:effectRef idx="0">
+            <a:schemeClr val="accent1"/>
+          </a:effectRef>
+          <a:fontRef idx="minor">
+            <a:schemeClr val="lt1"/>
+          </a:fontRef>
+        </p:style>
+        <p:txBody>
+          <a:bodyPr rtlCol="0" anchor="ctr"/>
+          <a:lstStyle/>
+          <a:p>
+            <a:pPr algn="ctr"/>
+            <a:endParaRPr lang="en-GB"/>
+          </a:p>
+        </p:txBody>
+      </p:sp>
+      <p:sp>
+        <p:nvSpPr>
+          <p:cNvPr id="2" name="TextBox 1"/>
+          <p:cNvSpPr txBox="1"/>
+          <p:nvPr/>
+        </p:nvSpPr>
+        <p:spPr>
+          <a:xfrm>
+            <a:off x="1263972" y="1527572"/>
+            <a:ext cx="4924927" cy="4893647"/>
+          </a:xfrm>
+          <a:prstGeom prst="rect">
+            <a:avLst/>
+          </a:prstGeom>
+          <a:noFill/>
+        </p:spPr>
+        <p:txBody>
+          <a:bodyPr wrap="square" rtlCol="0">
+            <a:spAutoFit/>
+          </a:bodyPr>
+          <a:lstStyle/>
+          <a:p>
+            <a:r>
+              <a:rPr lang="en-GB" sz="2400" dirty="0">
+                <a:latin typeface="Moyko" panose="02000506080000020004" pitchFamily="2" charset="0"/>
+              </a:rPr>
+              <a:t>- David Vink ( Producer ) </a:t>
+            </a:r>
+          </a:p>
+          <a:p>
+            <a:endParaRPr lang="en-GB" sz="2400" dirty="0">
+              <a:latin typeface="Moyko" panose="02000506080000020004" pitchFamily="2" charset="0"/>
+            </a:endParaRPr>
+          </a:p>
+          <a:p>
+            <a:r>
+              <a:rPr lang="en-GB" sz="2400" dirty="0">
+                <a:latin typeface="Moyko" panose="02000506080000020004" pitchFamily="2" charset="0"/>
+              </a:rPr>
+              <a:t>- Walter </a:t>
+            </a:r>
+            <a:r>
+              <a:rPr lang="en-GB" sz="2400" dirty="0" err="1">
+                <a:latin typeface="Moyko" panose="02000506080000020004" pitchFamily="2" charset="0"/>
+              </a:rPr>
+              <a:t>Hulsebos</a:t>
+            </a:r>
+            <a:r>
+              <a:rPr lang="en-GB" sz="2400" dirty="0">
+                <a:latin typeface="Moyko" panose="02000506080000020004" pitchFamily="2" charset="0"/>
+              </a:rPr>
+              <a:t> ( Lead Dev )</a:t>
+            </a:r>
+          </a:p>
+          <a:p>
+            <a:endParaRPr lang="en-GB" sz="2400" dirty="0">
+              <a:latin typeface="Moyko" panose="02000506080000020004" pitchFamily="2" charset="0"/>
+            </a:endParaRPr>
+          </a:p>
+          <a:p>
+            <a:r>
+              <a:rPr lang="en-GB" sz="2400" dirty="0">
+                <a:latin typeface="Moyko" panose="02000506080000020004" pitchFamily="2" charset="0"/>
+              </a:rPr>
+              <a:t>- Benjamin ( Lead Art )</a:t>
+            </a:r>
+          </a:p>
+          <a:p>
+            <a:endParaRPr lang="en-GB" sz="2400" dirty="0">
+              <a:latin typeface="Moyko" panose="02000506080000020004" pitchFamily="2" charset="0"/>
+            </a:endParaRPr>
+          </a:p>
+          <a:p>
+            <a:r>
+              <a:rPr lang="en-GB" sz="2400" dirty="0">
+                <a:latin typeface="Moyko" panose="02000506080000020004" pitchFamily="2" charset="0"/>
+              </a:rPr>
+              <a:t>- Rick </a:t>
+            </a:r>
+            <a:r>
+              <a:rPr lang="en-GB" sz="2400" dirty="0" err="1">
+                <a:latin typeface="Moyko" panose="02000506080000020004" pitchFamily="2" charset="0"/>
+              </a:rPr>
+              <a:t>Greeve</a:t>
+            </a:r>
+            <a:r>
+              <a:rPr lang="en-GB" sz="2400" dirty="0">
+                <a:latin typeface="Moyko" panose="02000506080000020004" pitchFamily="2" charset="0"/>
+              </a:rPr>
+              <a:t> ( Level Designer )</a:t>
+            </a:r>
+          </a:p>
+          <a:p>
+            <a:endParaRPr lang="en-GB" sz="2400" dirty="0">
+              <a:latin typeface="Moyko" panose="02000506080000020004" pitchFamily="2" charset="0"/>
+            </a:endParaRPr>
+          </a:p>
+          <a:p>
+            <a:r>
+              <a:rPr lang="en-GB" sz="2400" dirty="0">
+                <a:latin typeface="Moyko" panose="02000506080000020004" pitchFamily="2" charset="0"/>
+              </a:rPr>
+              <a:t>- </a:t>
+            </a:r>
+            <a:r>
+              <a:rPr lang="en-GB" sz="2400" dirty="0" err="1">
+                <a:latin typeface="Moyko" panose="02000506080000020004" pitchFamily="2" charset="0"/>
+              </a:rPr>
+              <a:t>Hadewij</a:t>
+            </a:r>
+            <a:r>
+              <a:rPr lang="en-GB" sz="2400" dirty="0">
+                <a:latin typeface="Moyko" panose="02000506080000020004" pitchFamily="2" charset="0"/>
+              </a:rPr>
+              <a:t> Homan ( QA )</a:t>
+            </a:r>
+          </a:p>
+          <a:p>
+            <a:endParaRPr lang="en-GB" sz="2400" dirty="0">
+              <a:latin typeface="Moyko" panose="02000506080000020004" pitchFamily="2" charset="0"/>
+            </a:endParaRPr>
+          </a:p>
+          <a:p>
+            <a:pPr marL="285750" indent="-285750">
+              <a:buFontTx/>
+              <a:buChar char="-"/>
+            </a:pPr>
+            <a:r>
+              <a:rPr lang="en-GB" sz="2400" dirty="0" err="1">
+                <a:latin typeface="Moyko" panose="02000506080000020004" pitchFamily="2" charset="0"/>
+              </a:rPr>
+              <a:t>Rief</a:t>
+            </a:r>
+            <a:r>
+              <a:rPr lang="en-GB" sz="2400" dirty="0">
+                <a:latin typeface="Moyko" panose="02000506080000020004" pitchFamily="2" charset="0"/>
+              </a:rPr>
+              <a:t> ( </a:t>
+            </a:r>
+            <a:r>
+              <a:rPr lang="en-GB" sz="2400" dirty="0" err="1">
+                <a:latin typeface="Moyko" panose="02000506080000020004" pitchFamily="2" charset="0"/>
+              </a:rPr>
+              <a:t>Ux</a:t>
+            </a:r>
+            <a:r>
+              <a:rPr lang="en-GB" sz="2400" dirty="0">
+                <a:latin typeface="Moyko" panose="02000506080000020004" pitchFamily="2" charset="0"/>
+              </a:rPr>
+              <a:t> )</a:t>
+            </a:r>
+          </a:p>
+          <a:p>
+            <a:pPr marL="285750" indent="-285750">
+              <a:buFontTx/>
+              <a:buChar char="-"/>
+            </a:pPr>
+            <a:endParaRPr lang="en-GB" sz="2400" dirty="0">
+              <a:latin typeface="Moyko" panose="02000506080000020004" pitchFamily="2" charset="0"/>
+            </a:endParaRPr>
+          </a:p>
+          <a:p>
+            <a:pPr marL="285750" indent="-285750">
+              <a:buFontTx/>
+              <a:buChar char="-"/>
+            </a:pPr>
+            <a:r>
+              <a:rPr lang="en-GB" sz="2400" dirty="0">
+                <a:latin typeface="Moyko" panose="02000506080000020004" pitchFamily="2" charset="0"/>
+              </a:rPr>
+              <a:t>Paige ( </a:t>
+            </a:r>
+            <a:r>
+              <a:rPr lang="en-GB" sz="2400" dirty="0" err="1">
+                <a:latin typeface="Moyko" panose="02000506080000020004" pitchFamily="2" charset="0"/>
+              </a:rPr>
+              <a:t>Plannings</a:t>
+            </a:r>
+            <a:r>
+              <a:rPr lang="en-GB" sz="2400" dirty="0">
+                <a:latin typeface="Moyko" panose="02000506080000020004" pitchFamily="2" charset="0"/>
+              </a:rPr>
+              <a:t> Manager )</a:t>
+            </a:r>
+          </a:p>
+        </p:txBody>
+      </p:sp>
+      <p:sp>
+        <p:nvSpPr>
+          <p:cNvPr id="3" name="TextBox 2"/>
+          <p:cNvSpPr txBox="1"/>
+          <p:nvPr/>
+        </p:nvSpPr>
+        <p:spPr>
+          <a:xfrm flipH="1">
+            <a:off x="1004236" y="412645"/>
+            <a:ext cx="2115078" cy="584775"/>
+          </a:xfrm>
+          <a:prstGeom prst="rect">
+            <a:avLst/>
+          </a:prstGeom>
+          <a:noFill/>
+        </p:spPr>
+        <p:txBody>
+          <a:bodyPr wrap="square" rtlCol="0">
+            <a:spAutoFit/>
+          </a:bodyPr>
+          <a:lstStyle/>
+          <a:p>
+            <a:r>
+              <a:rPr lang="en-GB" sz="3200" dirty="0" err="1">
+                <a:latin typeface="Moyko" panose="02000506080000020004" pitchFamily="2" charset="0"/>
+              </a:rPr>
+              <a:t>Introducties</a:t>
+            </a:r>
+            <a:endParaRPr lang="en-GB" sz="3200" dirty="0">
+              <a:latin typeface="Moyko" panose="02000506080000020004" pitchFamily="2" charset="0"/>
+            </a:endParaRPr>
+          </a:p>
+        </p:txBody>
+      </p:sp>
+    </p:spTree>
+    <p:extLst>
+      <p:ext uri="{BB962C8B-B14F-4D97-AF65-F5344CB8AC3E}">
+        <p14:creationId xmlns:p14="http://schemas.microsoft.com/office/powerpoint/2010/main" val="2385440544"/>
+      </p:ext>
+    </p:extLst>
+  </p:cSld>
+  <p:clrMapOvr>
+    <a:masterClrMapping/>
+  </p:clrMapOvr>
+</p:sld>
+</file>
+
+<file path=ppt/slides/slide3.xml><?xml version="1.0" encoding="utf-8"?>
+<p:sld xmlns:a="http://schemas.openxmlformats.org/drawingml/2006/main" xmlns:r="http://schemas.openxmlformats.org/officeDocument/2006/relationships" xmlns:p="http://schemas.openxmlformats.org/presentationml/2006/main">
+  <p:cSld>
+    <p:spTree>
+      <p:nvGrpSpPr>
+        <p:cNvPr id="1" name=""/>
+        <p:cNvGrpSpPr/>
+        <p:nvPr/>
+      </p:nvGrpSpPr>
+      <p:grpSpPr>
+        <a:xfrm>
+          <a:off x="0" y="0"/>
+          <a:ext cx="0" cy="0"/>
+          <a:chOff x="0" y="0"/>
+          <a:chExt cx="0" cy="0"/>
+        </a:xfrm>
+      </p:grpSpPr>
+      <p:sp>
+        <p:nvSpPr>
+          <p:cNvPr id="2" name="Horizontal Scroll 1"/>
+          <p:cNvSpPr/>
+          <p:nvPr/>
+        </p:nvSpPr>
+        <p:spPr>
+          <a:xfrm>
+            <a:off x="549078" y="147570"/>
+            <a:ext cx="3956420" cy="1114927"/>
+          </a:xfrm>
+          <a:prstGeom prst="horizontalScroll">
+            <a:avLst>
+              <a:gd name="adj" fmla="val 13489"/>
+            </a:avLst>
+          </a:prstGeom>
+          <a:solidFill>
+            <a:srgbClr val="E2B84E"/>
+          </a:solidFill>
+          <a:ln>
+            <a:solidFill>
+              <a:srgbClr val="E27C0C"/>
+            </a:solidFill>
+          </a:ln>
+        </p:spPr>
+        <p:style>
+          <a:lnRef idx="2">
+            <a:schemeClr val="accent1">
+              <a:shade val="50000"/>
+            </a:schemeClr>
+          </a:lnRef>
+          <a:fillRef idx="1">
+            <a:schemeClr val="accent1"/>
+          </a:fillRef>
+          <a:effectRef idx="0">
+            <a:schemeClr val="accent1"/>
+          </a:effectRef>
+          <a:fontRef idx="minor">
+            <a:schemeClr val="lt1"/>
+          </a:fontRef>
+        </p:style>
+        <p:txBody>
+          <a:bodyPr rtlCol="0" anchor="ctr"/>
+          <a:lstStyle/>
+          <a:p>
+            <a:pPr algn="ctr"/>
+            <a:endParaRPr lang="en-GB"/>
+          </a:p>
+        </p:txBody>
+      </p:sp>
+      <p:sp>
+        <p:nvSpPr>
+          <p:cNvPr id="5" name="TextBox 4"/>
+          <p:cNvSpPr txBox="1"/>
+          <p:nvPr/>
+        </p:nvSpPr>
+        <p:spPr>
+          <a:xfrm flipH="1">
+            <a:off x="872253" y="412645"/>
+            <a:ext cx="3310069" cy="584775"/>
+          </a:xfrm>
+          <a:prstGeom prst="rect">
+            <a:avLst/>
+          </a:prstGeom>
+          <a:noFill/>
+        </p:spPr>
+        <p:txBody>
+          <a:bodyPr wrap="square" rtlCol="0">
+            <a:spAutoFit/>
+          </a:bodyPr>
+          <a:lstStyle/>
+          <a:p>
+            <a:r>
+              <a:rPr lang="en-GB" sz="3200" dirty="0">
+                <a:latin typeface="Moyko" panose="02000506080000020004" pitchFamily="2" charset="0"/>
+              </a:rPr>
+              <a:t>Table of Contents</a:t>
+            </a:r>
+          </a:p>
+        </p:txBody>
+      </p:sp>
+      <p:sp>
+        <p:nvSpPr>
+          <p:cNvPr id="7" name="TextBox 6"/>
+          <p:cNvSpPr txBox="1"/>
+          <p:nvPr/>
+        </p:nvSpPr>
+        <p:spPr>
+          <a:xfrm>
+            <a:off x="1263972" y="1527572"/>
+            <a:ext cx="4924927" cy="4154984"/>
+          </a:xfrm>
+          <a:prstGeom prst="rect">
+            <a:avLst/>
+          </a:prstGeom>
+          <a:noFill/>
+        </p:spPr>
+        <p:txBody>
+          <a:bodyPr wrap="square" rtlCol="0">
+            <a:spAutoFit/>
+          </a:bodyPr>
+          <a:lstStyle/>
+          <a:p>
+            <a:r>
+              <a:rPr lang="en-GB" sz="2400" dirty="0">
+                <a:latin typeface="Moyko" panose="02000506080000020004" pitchFamily="2" charset="0"/>
+              </a:rPr>
+              <a:t>- Het </a:t>
+            </a:r>
+            <a:r>
+              <a:rPr lang="en-GB" sz="2400" dirty="0" err="1">
+                <a:latin typeface="Moyko" panose="02000506080000020004" pitchFamily="2" charset="0"/>
+              </a:rPr>
+              <a:t>verhaal</a:t>
+            </a:r>
+            <a:endParaRPr lang="en-GB" sz="2400" dirty="0">
+              <a:latin typeface="Moyko" panose="02000506080000020004" pitchFamily="2" charset="0"/>
+            </a:endParaRPr>
+          </a:p>
+          <a:p>
+            <a:endParaRPr lang="en-GB" sz="2400" dirty="0">
+              <a:latin typeface="Moyko" panose="02000506080000020004" pitchFamily="2" charset="0"/>
+            </a:endParaRPr>
+          </a:p>
+          <a:p>
+            <a:r>
+              <a:rPr lang="en-GB" sz="2400" dirty="0">
+                <a:latin typeface="Moyko" panose="02000506080000020004" pitchFamily="2" charset="0"/>
+              </a:rPr>
+              <a:t>- de Gameplay</a:t>
+            </a:r>
+          </a:p>
+          <a:p>
+            <a:endParaRPr lang="en-GB" sz="2400" dirty="0">
+              <a:latin typeface="Moyko" panose="02000506080000020004" pitchFamily="2" charset="0"/>
+            </a:endParaRPr>
+          </a:p>
+          <a:p>
+            <a:r>
+              <a:rPr lang="en-GB" sz="2400" dirty="0">
+                <a:latin typeface="Moyko" panose="02000506080000020004" pitchFamily="2" charset="0"/>
+              </a:rPr>
+              <a:t>- Prototype</a:t>
+            </a:r>
+          </a:p>
+          <a:p>
+            <a:endParaRPr lang="en-GB" sz="2400" dirty="0">
+              <a:latin typeface="Moyko" panose="02000506080000020004" pitchFamily="2" charset="0"/>
+            </a:endParaRPr>
+          </a:p>
+          <a:p>
+            <a:r>
+              <a:rPr lang="en-GB" sz="2400" dirty="0">
+                <a:latin typeface="Moyko" panose="02000506080000020004" pitchFamily="2" charset="0"/>
+              </a:rPr>
+              <a:t>- Asset Showcase</a:t>
+            </a:r>
+          </a:p>
+          <a:p>
+            <a:endParaRPr lang="en-GB" sz="2400" dirty="0">
+              <a:latin typeface="Moyko" panose="02000506080000020004" pitchFamily="2" charset="0"/>
+            </a:endParaRPr>
+          </a:p>
+          <a:p>
+            <a:pPr marL="342900" indent="-342900">
+              <a:buFontTx/>
+              <a:buChar char="-"/>
+            </a:pPr>
+            <a:r>
+              <a:rPr lang="en-GB" sz="2400" dirty="0">
+                <a:latin typeface="Moyko" panose="02000506080000020004" pitchFamily="2" charset="0"/>
+              </a:rPr>
+              <a:t>UML </a:t>
+            </a:r>
+          </a:p>
+          <a:p>
+            <a:pPr marL="342900" indent="-342900">
+              <a:buFontTx/>
+              <a:buChar char="-"/>
+            </a:pPr>
+            <a:endParaRPr lang="en-GB" sz="2400" dirty="0">
+              <a:latin typeface="Moyko" panose="02000506080000020004" pitchFamily="2" charset="0"/>
+            </a:endParaRPr>
+          </a:p>
+          <a:p>
+            <a:pPr marL="342900" indent="-342900">
+              <a:buFontTx/>
+              <a:buChar char="-"/>
+            </a:pPr>
+            <a:r>
+              <a:rPr lang="en-GB" sz="2400" dirty="0">
+                <a:latin typeface="Moyko" panose="02000506080000020004" pitchFamily="2" charset="0"/>
+              </a:rPr>
+              <a:t>Wat </a:t>
+            </a:r>
+            <a:r>
+              <a:rPr lang="en-GB" sz="2400" dirty="0" err="1">
+                <a:latin typeface="Moyko" panose="02000506080000020004" pitchFamily="2" charset="0"/>
+              </a:rPr>
+              <a:t>moet</a:t>
+            </a:r>
+            <a:r>
+              <a:rPr lang="en-GB" sz="2400" dirty="0">
+                <a:latin typeface="Moyko" panose="02000506080000020004" pitchFamily="2" charset="0"/>
+              </a:rPr>
+              <a:t> </a:t>
+            </a:r>
+            <a:r>
+              <a:rPr lang="en-GB" sz="2400" dirty="0" err="1">
+                <a:latin typeface="Moyko" panose="02000506080000020004" pitchFamily="2" charset="0"/>
+              </a:rPr>
+              <a:t>er</a:t>
+            </a:r>
+            <a:r>
+              <a:rPr lang="en-GB" sz="2400" dirty="0">
+                <a:latin typeface="Moyko" panose="02000506080000020004" pitchFamily="2" charset="0"/>
+              </a:rPr>
+              <a:t> nog </a:t>
+            </a:r>
+            <a:r>
+              <a:rPr lang="en-GB" sz="2400" dirty="0" err="1">
+                <a:latin typeface="Moyko" panose="02000506080000020004" pitchFamily="2" charset="0"/>
+              </a:rPr>
+              <a:t>gebeuren</a:t>
+            </a:r>
+            <a:endParaRPr lang="en-GB" sz="2400" dirty="0">
+              <a:latin typeface="Moyko" panose="02000506080000020004" pitchFamily="2" charset="0"/>
+            </a:endParaRPr>
+          </a:p>
+        </p:txBody>
+      </p:sp>
+    </p:spTree>
+    <p:extLst>
+      <p:ext uri="{BB962C8B-B14F-4D97-AF65-F5344CB8AC3E}">
+        <p14:creationId xmlns:p14="http://schemas.microsoft.com/office/powerpoint/2010/main" val="1547079701"/>
+      </p:ext>
+    </p:extLst>
+  </p:cSld>
+  <p:clrMapOvr>
+    <a:masterClrMapping/>
+  </p:clrMapOvr>
+</p:sld>
+</file>
+
+<file path=ppt/slides/slide4.xml><?xml version="1.0" encoding="utf-8"?>
+<p:sld xmlns:a="http://schemas.openxmlformats.org/drawingml/2006/main" xmlns:r="http://schemas.openxmlformats.org/officeDocument/2006/relationships" xmlns:p="http://schemas.openxmlformats.org/presentationml/2006/main">
+  <p:cSld>
+    <p:spTree>
+      <p:nvGrpSpPr>
+        <p:cNvPr id="1" name=""/>
+        <p:cNvGrpSpPr/>
+        <p:nvPr/>
+      </p:nvGrpSpPr>
+      <p:grpSpPr>
+        <a:xfrm>
+          <a:off x="0" y="0"/>
+          <a:ext cx="0" cy="0"/>
+          <a:chOff x="0" y="0"/>
+          <a:chExt cx="0" cy="0"/>
+        </a:xfrm>
+      </p:grpSpPr>
+      <p:sp>
+        <p:nvSpPr>
+          <p:cNvPr id="2" name="Horizontal Scroll 1"/>
+          <p:cNvSpPr/>
+          <p:nvPr/>
+        </p:nvSpPr>
+        <p:spPr>
+          <a:xfrm>
+            <a:off x="549078" y="147570"/>
+            <a:ext cx="3025395" cy="1114927"/>
+          </a:xfrm>
+          <a:prstGeom prst="horizontalScroll">
+            <a:avLst>
+              <a:gd name="adj" fmla="val 13489"/>
+            </a:avLst>
+          </a:prstGeom>
+          <a:solidFill>
+            <a:srgbClr val="E2B84E"/>
+          </a:solidFill>
+          <a:ln>
+            <a:solidFill>
+              <a:srgbClr val="E27C0C"/>
+            </a:solidFill>
+          </a:ln>
+        </p:spPr>
+        <p:style>
+          <a:lnRef idx="2">
+            <a:schemeClr val="accent1">
+              <a:shade val="50000"/>
+            </a:schemeClr>
+          </a:lnRef>
+          <a:fillRef idx="1">
+            <a:schemeClr val="accent1"/>
+          </a:fillRef>
+          <a:effectRef idx="0">
+            <a:schemeClr val="accent1"/>
+          </a:effectRef>
+          <a:fontRef idx="minor">
+            <a:schemeClr val="lt1"/>
+          </a:fontRef>
+        </p:style>
+        <p:txBody>
+          <a:bodyPr rtlCol="0" anchor="ctr"/>
+          <a:lstStyle/>
+          <a:p>
+            <a:pPr algn="ctr"/>
+            <a:endParaRPr lang="en-GB"/>
+          </a:p>
+        </p:txBody>
+      </p:sp>
+      <p:sp>
+        <p:nvSpPr>
+          <p:cNvPr id="3" name="TextBox 2"/>
+          <p:cNvSpPr txBox="1"/>
+          <p:nvPr/>
+        </p:nvSpPr>
+        <p:spPr>
+          <a:xfrm flipH="1">
+            <a:off x="1004235" y="412645"/>
+            <a:ext cx="2179539" cy="584775"/>
+          </a:xfrm>
+          <a:prstGeom prst="rect">
+            <a:avLst/>
+          </a:prstGeom>
+          <a:noFill/>
+        </p:spPr>
+        <p:txBody>
+          <a:bodyPr wrap="square" rtlCol="0">
+            <a:spAutoFit/>
+          </a:bodyPr>
+          <a:lstStyle/>
+          <a:p>
+            <a:r>
+              <a:rPr lang="en-GB" sz="3200" dirty="0">
+                <a:latin typeface="Moyko" panose="02000506080000020004" pitchFamily="2" charset="0"/>
+              </a:rPr>
+              <a:t>Het </a:t>
+            </a:r>
+            <a:r>
+              <a:rPr lang="en-GB" sz="3200" dirty="0" err="1">
+                <a:latin typeface="Moyko" panose="02000506080000020004" pitchFamily="2" charset="0"/>
+              </a:rPr>
+              <a:t>verhaal</a:t>
+            </a:r>
+            <a:endParaRPr lang="en-GB" sz="3200" dirty="0">
+              <a:latin typeface="Moyko" panose="02000506080000020004" pitchFamily="2" charset="0"/>
+            </a:endParaRPr>
+          </a:p>
+        </p:txBody>
+      </p:sp>
+    </p:spTree>
+    <p:extLst>
+      <p:ext uri="{BB962C8B-B14F-4D97-AF65-F5344CB8AC3E}">
+        <p14:creationId xmlns:p14="http://schemas.microsoft.com/office/powerpoint/2010/main" val="4243208061"/>
+      </p:ext>
+    </p:extLst>
+  </p:cSld>
+  <p:clrMapOvr>
+    <a:masterClrMapping/>
+  </p:clrMapOvr>
+</p:sld>
+</file>
+
+<file path=ppt/slides/slide5.xml><?xml version="1.0" encoding="utf-8"?>
+<p:sld xmlns:a="http://schemas.openxmlformats.org/drawingml/2006/main" xmlns:r="http://schemas.openxmlformats.org/officeDocument/2006/relationships" xmlns:p="http://schemas.openxmlformats.org/presentationml/2006/main">
+  <p:cSld>
+    <p:spTree>
+      <p:nvGrpSpPr>
+        <p:cNvPr id="1" name=""/>
+        <p:cNvGrpSpPr/>
+        <p:nvPr/>
+      </p:nvGrpSpPr>
+      <p:grpSpPr>
+        <a:xfrm>
+          <a:off x="0" y="0"/>
+          <a:ext cx="0" cy="0"/>
+          <a:chOff x="0" y="0"/>
+          <a:chExt cx="0" cy="0"/>
+        </a:xfrm>
+      </p:grpSpPr>
+      <p:sp>
+        <p:nvSpPr>
+          <p:cNvPr id="2" name="Horizontal Scroll 1"/>
+          <p:cNvSpPr/>
+          <p:nvPr/>
+        </p:nvSpPr>
+        <p:spPr>
+          <a:xfrm>
+            <a:off x="549078" y="147570"/>
+            <a:ext cx="3025395" cy="1114927"/>
+          </a:xfrm>
+          <a:prstGeom prst="horizontalScroll">
+            <a:avLst>
+              <a:gd name="adj" fmla="val 13489"/>
+            </a:avLst>
+          </a:prstGeom>
+          <a:solidFill>
+            <a:srgbClr val="E2B84E"/>
+          </a:solidFill>
+          <a:ln>
+            <a:solidFill>
+              <a:srgbClr val="E27C0C"/>
+            </a:solidFill>
+          </a:ln>
+        </p:spPr>
+        <p:style>
+          <a:lnRef idx="2">
+            <a:schemeClr val="accent1">
+              <a:shade val="50000"/>
+            </a:schemeClr>
+          </a:lnRef>
+          <a:fillRef idx="1">
+            <a:schemeClr val="accent1"/>
+          </a:fillRef>
+          <a:effectRef idx="0">
+            <a:schemeClr val="accent1"/>
+          </a:effectRef>
+          <a:fontRef idx="minor">
+            <a:schemeClr val="lt1"/>
+          </a:fontRef>
+        </p:style>
+        <p:txBody>
+          <a:bodyPr rtlCol="0" anchor="ctr"/>
+          <a:lstStyle/>
+          <a:p>
+            <a:pPr algn="ctr"/>
+            <a:endParaRPr lang="en-GB"/>
+          </a:p>
+        </p:txBody>
+      </p:sp>
+      <p:sp>
+        <p:nvSpPr>
+          <p:cNvPr id="3" name="TextBox 2"/>
+          <p:cNvSpPr txBox="1"/>
+          <p:nvPr/>
+        </p:nvSpPr>
+        <p:spPr>
+          <a:xfrm flipH="1">
+            <a:off x="946043" y="412645"/>
+            <a:ext cx="2354107" cy="584775"/>
+          </a:xfrm>
+          <a:prstGeom prst="rect">
+            <a:avLst/>
+          </a:prstGeom>
+          <a:noFill/>
+        </p:spPr>
+        <p:txBody>
+          <a:bodyPr wrap="square" rtlCol="0">
+            <a:spAutoFit/>
+          </a:bodyPr>
+          <a:lstStyle/>
+          <a:p>
+            <a:r>
+              <a:rPr lang="en-GB" sz="3200" dirty="0">
+                <a:latin typeface="Moyko" panose="02000506080000020004" pitchFamily="2" charset="0"/>
+              </a:rPr>
+              <a:t>De Gameplay</a:t>
+            </a:r>
+          </a:p>
+        </p:txBody>
+      </p:sp>
+    </p:spTree>
+    <p:extLst>
+      <p:ext uri="{BB962C8B-B14F-4D97-AF65-F5344CB8AC3E}">
+        <p14:creationId xmlns:p14="http://schemas.microsoft.com/office/powerpoint/2010/main" val="1358321138"/>
+      </p:ext>
+    </p:extLst>
+  </p:cSld>
+  <p:clrMapOvr>
+    <a:masterClrMapping/>
+  </p:clrMapOvr>
+</p:sld>
+</file>
+
+<file path=ppt/slides/slide6.xml><?xml version="1.0" encoding="utf-8"?>
+<p:sld xmlns:a="http://schemas.openxmlformats.org/drawingml/2006/main" xmlns:r="http://schemas.openxmlformats.org/officeDocument/2006/relationships" xmlns:p="http://schemas.openxmlformats.org/presentationml/2006/main">
+  <p:cSld>
+    <p:spTree>
+      <p:nvGrpSpPr>
+        <p:cNvPr id="1" name=""/>
+        <p:cNvGrpSpPr/>
+        <p:nvPr/>
+      </p:nvGrpSpPr>
+      <p:grpSpPr>
+        <a:xfrm>
+          <a:off x="0" y="0"/>
+          <a:ext cx="0" cy="0"/>
+          <a:chOff x="0" y="0"/>
+          <a:chExt cx="0" cy="0"/>
+        </a:xfrm>
+      </p:grpSpPr>
+      <p:sp>
+        <p:nvSpPr>
+          <p:cNvPr id="2" name="Horizontal Scroll 1"/>
+          <p:cNvSpPr/>
+          <p:nvPr/>
+        </p:nvSpPr>
+        <p:spPr>
+          <a:xfrm>
+            <a:off x="4347554" y="2844917"/>
+            <a:ext cx="3216297" cy="1114927"/>
+          </a:xfrm>
+          <a:prstGeom prst="horizontalScroll">
+            <a:avLst>
+              <a:gd name="adj" fmla="val 13489"/>
+            </a:avLst>
+          </a:prstGeom>
+          <a:solidFill>
+            <a:srgbClr val="E2B84E"/>
+          </a:solidFill>
+          <a:ln>
+            <a:solidFill>
+              <a:srgbClr val="E27C0C"/>
+            </a:solidFill>
+          </a:ln>
+        </p:spPr>
+        <p:style>
+          <a:lnRef idx="2">
+            <a:schemeClr val="accent1">
+              <a:shade val="50000"/>
+            </a:schemeClr>
+          </a:lnRef>
+          <a:fillRef idx="1">
+            <a:schemeClr val="accent1"/>
+          </a:fillRef>
+          <a:effectRef idx="0">
+            <a:schemeClr val="accent1"/>
+          </a:effectRef>
+          <a:fontRef idx="minor">
+            <a:schemeClr val="lt1"/>
+          </a:fontRef>
+        </p:style>
+        <p:txBody>
+          <a:bodyPr rtlCol="0" anchor="ctr"/>
+          <a:lstStyle/>
+          <a:p>
+            <a:pPr algn="ctr"/>
+            <a:endParaRPr lang="en-GB"/>
+          </a:p>
+        </p:txBody>
+      </p:sp>
+      <p:sp>
+        <p:nvSpPr>
+          <p:cNvPr id="3" name="TextBox 2"/>
+          <p:cNvSpPr txBox="1"/>
+          <p:nvPr/>
+        </p:nvSpPr>
+        <p:spPr>
+          <a:xfrm>
+            <a:off x="2915724" y="3048438"/>
+            <a:ext cx="6079958" cy="707886"/>
+          </a:xfrm>
+          <a:prstGeom prst="rect">
+            <a:avLst/>
+          </a:prstGeom>
+          <a:noFill/>
+        </p:spPr>
+        <p:txBody>
+          <a:bodyPr wrap="square" rtlCol="0">
+            <a:spAutoFit/>
+          </a:bodyPr>
+          <a:lstStyle/>
+          <a:p>
+            <a:pPr algn="ctr"/>
+            <a:r>
+              <a:rPr lang="en-GB" sz="4000" dirty="0">
+                <a:latin typeface="Moyko" panose="02000506080000020004" pitchFamily="2" charset="0"/>
+              </a:rPr>
+              <a:t>Prototype</a:t>
+            </a:r>
+          </a:p>
+        </p:txBody>
+      </p:sp>
+    </p:spTree>
+    <p:extLst>
+      <p:ext uri="{BB962C8B-B14F-4D97-AF65-F5344CB8AC3E}">
+        <p14:creationId xmlns:p14="http://schemas.microsoft.com/office/powerpoint/2010/main" val="1386285106"/>
+      </p:ext>
+    </p:extLst>
+  </p:cSld>
+  <p:clrMapOvr>
+    <a:masterClrMapping/>
+  </p:clrMapOvr>
+</p:sld>
+</file>
+
+<file path=ppt/slides/slide7.xml><?xml version="1.0" encoding="utf-8"?>
+<p:sld xmlns:a="http://schemas.openxmlformats.org/drawingml/2006/main" xmlns:r="http://schemas.openxmlformats.org/officeDocument/2006/relationships" xmlns:p="http://schemas.openxmlformats.org/presentationml/2006/main">
+  <p:cSld>
+    <p:spTree>
+      <p:nvGrpSpPr>
+        <p:cNvPr id="1" name=""/>
+        <p:cNvGrpSpPr/>
+        <p:nvPr/>
+      </p:nvGrpSpPr>
+      <p:grpSpPr>
+        <a:xfrm>
+          <a:off x="0" y="0"/>
+          <a:ext cx="0" cy="0"/>
+          <a:chOff x="0" y="0"/>
+          <a:chExt cx="0" cy="0"/>
+        </a:xfrm>
+      </p:grpSpPr>
+      <p:sp>
+        <p:nvSpPr>
+          <p:cNvPr id="2" name="Horizontal Scroll 1"/>
+          <p:cNvSpPr/>
+          <p:nvPr/>
+        </p:nvSpPr>
+        <p:spPr>
+          <a:xfrm>
+            <a:off x="549078" y="147570"/>
+            <a:ext cx="3457657" cy="1114927"/>
+          </a:xfrm>
+          <a:prstGeom prst="horizontalScroll">
+            <a:avLst>
+              <a:gd name="adj" fmla="val 13489"/>
+            </a:avLst>
+          </a:prstGeom>
+          <a:solidFill>
+            <a:srgbClr val="E2B84E"/>
+          </a:solidFill>
+          <a:ln>
+            <a:solidFill>
+              <a:srgbClr val="E27C0C"/>
+            </a:solidFill>
+          </a:ln>
+        </p:spPr>
+        <p:style>
+          <a:lnRef idx="2">
+            <a:schemeClr val="accent1">
+              <a:shade val="50000"/>
+            </a:schemeClr>
+          </a:lnRef>
+          <a:fillRef idx="1">
+            <a:schemeClr val="accent1"/>
+          </a:fillRef>
+          <a:effectRef idx="0">
+            <a:schemeClr val="accent1"/>
+          </a:effectRef>
+          <a:fontRef idx="minor">
+            <a:schemeClr val="lt1"/>
+          </a:fontRef>
+        </p:style>
+        <p:txBody>
+          <a:bodyPr rtlCol="0" anchor="ctr"/>
+          <a:lstStyle/>
+          <a:p>
+            <a:pPr algn="ctr"/>
+            <a:endParaRPr lang="en-GB"/>
+          </a:p>
+        </p:txBody>
+      </p:sp>
+      <p:sp>
+        <p:nvSpPr>
+          <p:cNvPr id="3" name="TextBox 2"/>
+          <p:cNvSpPr txBox="1"/>
+          <p:nvPr/>
+        </p:nvSpPr>
+        <p:spPr>
+          <a:xfrm flipH="1">
+            <a:off x="862914" y="412645"/>
+            <a:ext cx="3567768" cy="584775"/>
+          </a:xfrm>
+          <a:prstGeom prst="rect">
+            <a:avLst/>
+          </a:prstGeom>
+          <a:noFill/>
+        </p:spPr>
+        <p:txBody>
+          <a:bodyPr wrap="square" rtlCol="0">
+            <a:spAutoFit/>
+          </a:bodyPr>
+          <a:lstStyle/>
+          <a:p>
+            <a:r>
+              <a:rPr lang="en-GB" sz="3200" dirty="0">
+                <a:latin typeface="Moyko" panose="02000506080000020004" pitchFamily="2" charset="0"/>
+              </a:rPr>
+              <a:t>Asset Showcase</a:t>
+            </a:r>
+          </a:p>
+        </p:txBody>
+      </p:sp>
+    </p:spTree>
+    <p:extLst>
+      <p:ext uri="{BB962C8B-B14F-4D97-AF65-F5344CB8AC3E}">
+        <p14:creationId xmlns:p14="http://schemas.microsoft.com/office/powerpoint/2010/main" val="3963354575"/>
+      </p:ext>
+    </p:extLst>
+  </p:cSld>
+  <p:clrMapOvr>
+    <a:masterClrMapping/>
+  </p:clrMapOvr>
+</p:sld>
+</file>
+
+<file path=ppt/slides/slide8.xml><?xml version="1.0" encoding="utf-8"?>
+<p:sld xmlns:a="http://schemas.openxmlformats.org/drawingml/2006/main" xmlns:r="http://schemas.openxmlformats.org/officeDocument/2006/relationships" xmlns:p="http://schemas.openxmlformats.org/presentationml/2006/main">
+  <p:cSld>
+    <p:spTree>
+      <p:nvGrpSpPr>
+        <p:cNvPr id="1" name=""/>
+        <p:cNvGrpSpPr/>
+        <p:nvPr/>
+      </p:nvGrpSpPr>
+      <p:grpSpPr>
+        <a:xfrm>
+          <a:off x="0" y="0"/>
+          <a:ext cx="0" cy="0"/>
+          <a:chOff x="0" y="0"/>
+          <a:chExt cx="0" cy="0"/>
+        </a:xfrm>
+      </p:grpSpPr>
+      <p:sp>
+        <p:nvSpPr>
+          <p:cNvPr id="2" name="Horizontal Scroll 1"/>
+          <p:cNvSpPr/>
+          <p:nvPr/>
+        </p:nvSpPr>
+        <p:spPr>
+          <a:xfrm>
+            <a:off x="549079" y="147570"/>
+            <a:ext cx="1595606" cy="1114927"/>
+          </a:xfrm>
+          <a:prstGeom prst="horizontalScroll">
+            <a:avLst>
+              <a:gd name="adj" fmla="val 13489"/>
+            </a:avLst>
+          </a:prstGeom>
+          <a:solidFill>
+            <a:srgbClr val="E2B84E"/>
+          </a:solidFill>
+          <a:ln>
+            <a:solidFill>
+              <a:srgbClr val="E27C0C"/>
+            </a:solidFill>
+          </a:ln>
+        </p:spPr>
+        <p:style>
+          <a:lnRef idx="2">
+            <a:schemeClr val="accent1">
+              <a:shade val="50000"/>
+            </a:schemeClr>
+          </a:lnRef>
+          <a:fillRef idx="1">
+            <a:schemeClr val="accent1"/>
+          </a:fillRef>
+          <a:effectRef idx="0">
+            <a:schemeClr val="accent1"/>
+          </a:effectRef>
+          <a:fontRef idx="minor">
+            <a:schemeClr val="lt1"/>
+          </a:fontRef>
+        </p:style>
+        <p:txBody>
+          <a:bodyPr rtlCol="0" anchor="ctr"/>
+          <a:lstStyle/>
+          <a:p>
+            <a:pPr algn="ctr"/>
+            <a:endParaRPr lang="en-GB"/>
+          </a:p>
+        </p:txBody>
+      </p:sp>
+      <p:sp>
+        <p:nvSpPr>
+          <p:cNvPr id="3" name="TextBox 2"/>
+          <p:cNvSpPr txBox="1"/>
+          <p:nvPr/>
+        </p:nvSpPr>
+        <p:spPr>
+          <a:xfrm flipH="1">
+            <a:off x="946042" y="412645"/>
+            <a:ext cx="857819" cy="584775"/>
+          </a:xfrm>
+          <a:prstGeom prst="rect">
+            <a:avLst/>
+          </a:prstGeom>
+          <a:noFill/>
+        </p:spPr>
+        <p:txBody>
+          <a:bodyPr wrap="square" rtlCol="0">
+            <a:spAutoFit/>
+          </a:bodyPr>
+          <a:lstStyle/>
+          <a:p>
+            <a:r>
+              <a:rPr lang="en-GB" sz="3200" dirty="0">
+                <a:latin typeface="Moyko" panose="02000506080000020004" pitchFamily="2" charset="0"/>
+              </a:rPr>
+              <a:t>UML</a:t>
+            </a:r>
+          </a:p>
+        </p:txBody>
+      </p:sp>
+    </p:spTree>
+    <p:extLst>
+      <p:ext uri="{BB962C8B-B14F-4D97-AF65-F5344CB8AC3E}">
+        <p14:creationId xmlns:p14="http://schemas.microsoft.com/office/powerpoint/2010/main" val="3485436297"/>
+      </p:ext>
+    </p:extLst>
+  </p:cSld>
+  <p:clrMapOvr>
+    <a:masterClrMapping/>
+  </p:clrMapOvr>
+</p:sld>
+</file>
+
+<file path=ppt/slides/slide9.xml><?xml version="1.0" encoding="utf-8"?>
+<p:sld xmlns:a="http://schemas.openxmlformats.org/drawingml/2006/main" xmlns:r="http://schemas.openxmlformats.org/officeDocument/2006/relationships" xmlns:p="http://schemas.openxmlformats.org/presentationml/2006/main">
+  <p:cSld>
+    <p:spTree>
+      <p:nvGrpSpPr>
+        <p:cNvPr id="1" name=""/>
+        <p:cNvGrpSpPr/>
+        <p:nvPr/>
+      </p:nvGrpSpPr>
+      <p:grpSpPr>
+        <a:xfrm>
+          <a:off x="0" y="0"/>
+          <a:ext cx="0" cy="0"/>
+          <a:chOff x="0" y="0"/>
+          <a:chExt cx="0" cy="0"/>
+        </a:xfrm>
+      </p:grpSpPr>
+      <p:sp>
+        <p:nvSpPr>
+          <p:cNvPr id="2" name="Horizontal Scroll 1"/>
+          <p:cNvSpPr/>
+          <p:nvPr/>
+        </p:nvSpPr>
+        <p:spPr>
+          <a:xfrm>
+            <a:off x="549078" y="147570"/>
+            <a:ext cx="4904071" cy="1114927"/>
+          </a:xfrm>
+          <a:prstGeom prst="horizontalScroll">
+            <a:avLst>
+              <a:gd name="adj" fmla="val 13489"/>
+            </a:avLst>
+          </a:prstGeom>
+          <a:solidFill>
+            <a:srgbClr val="E2B84E"/>
+          </a:solidFill>
+          <a:ln>
+            <a:solidFill>
+              <a:srgbClr val="E27C0C"/>
+            </a:solidFill>
+          </a:ln>
+        </p:spPr>
+        <p:style>
+          <a:lnRef idx="2">
+            <a:schemeClr val="accent1">
+              <a:shade val="50000"/>
+            </a:schemeClr>
+          </a:lnRef>
+          <a:fillRef idx="1">
+            <a:schemeClr val="accent1"/>
+          </a:fillRef>
+          <a:effectRef idx="0">
+            <a:schemeClr val="accent1"/>
+          </a:effectRef>
+          <a:fontRef idx="minor">
+            <a:schemeClr val="lt1"/>
+          </a:fontRef>
+        </p:style>
+        <p:txBody>
+          <a:bodyPr rtlCol="0" anchor="ctr"/>
+          <a:lstStyle/>
+          <a:p>
+            <a:pPr algn="ctr"/>
+            <a:endParaRPr lang="en-GB"/>
+          </a:p>
+        </p:txBody>
+      </p:sp>
+      <p:sp>
+        <p:nvSpPr>
+          <p:cNvPr id="3" name="TextBox 2"/>
+          <p:cNvSpPr txBox="1"/>
+          <p:nvPr/>
+        </p:nvSpPr>
+        <p:spPr>
+          <a:xfrm flipH="1">
+            <a:off x="946041" y="412645"/>
+            <a:ext cx="6676729" cy="584775"/>
+          </a:xfrm>
+          <a:prstGeom prst="rect">
+            <a:avLst/>
+          </a:prstGeom>
+          <a:noFill/>
+        </p:spPr>
+        <p:txBody>
+          <a:bodyPr wrap="square" rtlCol="0">
+            <a:spAutoFit/>
+          </a:bodyPr>
+          <a:lstStyle/>
+          <a:p>
+            <a:r>
+              <a:rPr lang="en-GB" sz="3200" dirty="0">
+                <a:latin typeface="Moyko" panose="02000506080000020004" pitchFamily="2" charset="0"/>
+              </a:rPr>
+              <a:t>Wat </a:t>
+            </a:r>
+            <a:r>
+              <a:rPr lang="en-GB" sz="3200" dirty="0" err="1">
+                <a:latin typeface="Moyko" panose="02000506080000020004" pitchFamily="2" charset="0"/>
+              </a:rPr>
+              <a:t>gaat</a:t>
+            </a:r>
+            <a:r>
+              <a:rPr lang="en-GB" sz="3200" dirty="0">
+                <a:latin typeface="Moyko" panose="02000506080000020004" pitchFamily="2" charset="0"/>
+              </a:rPr>
+              <a:t> </a:t>
+            </a:r>
+            <a:r>
+              <a:rPr lang="en-GB" sz="3200" dirty="0" err="1">
+                <a:latin typeface="Moyko" panose="02000506080000020004" pitchFamily="2" charset="0"/>
+              </a:rPr>
+              <a:t>er</a:t>
+            </a:r>
+            <a:r>
+              <a:rPr lang="en-GB" sz="3200" dirty="0">
+                <a:latin typeface="Moyko" panose="02000506080000020004" pitchFamily="2" charset="0"/>
+              </a:rPr>
+              <a:t> nog </a:t>
+            </a:r>
+            <a:r>
+              <a:rPr lang="en-GB" sz="3200" dirty="0" err="1">
+                <a:latin typeface="Moyko" panose="02000506080000020004" pitchFamily="2" charset="0"/>
+              </a:rPr>
+              <a:t>komen</a:t>
+            </a:r>
+            <a:endParaRPr lang="en-GB" sz="3200" dirty="0">
+              <a:latin typeface="Moyko" panose="02000506080000020004" pitchFamily="2" charset="0"/>
+            </a:endParaRPr>
+          </a:p>
+        </p:txBody>
+      </p:sp>
+    </p:spTree>
+    <p:extLst>
+      <p:ext uri="{BB962C8B-B14F-4D97-AF65-F5344CB8AC3E}">
+        <p14:creationId xmlns:p14="http://schemas.microsoft.com/office/powerpoint/2010/main" val="3640895802"/>
       </p:ext>
     </p:extLst>
   </p:cSld>

--- a/Presentatie/NinjaOutbreak.pptx
+++ b/Presentatie/NinjaOutbreak.pptx
@@ -251,7 +251,7 @@
           <a:p>
             <a:fld id="{B88BB0DE-B641-421E-B315-AFCEF8F26F70}" type="datetimeFigureOut">
               <a:rPr lang="en-GB" smtClean="0"/>
-              <a:t>10/11/2016</a:t>
+              <a:t>11/11/2016</a:t>
             </a:fld>
             <a:endParaRPr lang="en-GB"/>
           </a:p>
@@ -421,7 +421,7 @@
           <a:p>
             <a:fld id="{B88BB0DE-B641-421E-B315-AFCEF8F26F70}" type="datetimeFigureOut">
               <a:rPr lang="en-GB" smtClean="0"/>
-              <a:t>10/11/2016</a:t>
+              <a:t>11/11/2016</a:t>
             </a:fld>
             <a:endParaRPr lang="en-GB"/>
           </a:p>
@@ -601,7 +601,7 @@
           <a:p>
             <a:fld id="{B88BB0DE-B641-421E-B315-AFCEF8F26F70}" type="datetimeFigureOut">
               <a:rPr lang="en-GB" smtClean="0"/>
-              <a:t>10/11/2016</a:t>
+              <a:t>11/11/2016</a:t>
             </a:fld>
             <a:endParaRPr lang="en-GB"/>
           </a:p>
@@ -771,7 +771,7 @@
           <a:p>
             <a:fld id="{B88BB0DE-B641-421E-B315-AFCEF8F26F70}" type="datetimeFigureOut">
               <a:rPr lang="en-GB" smtClean="0"/>
-              <a:t>10/11/2016</a:t>
+              <a:t>11/11/2016</a:t>
             </a:fld>
             <a:endParaRPr lang="en-GB"/>
           </a:p>
@@ -1017,7 +1017,7 @@
           <a:p>
             <a:fld id="{B88BB0DE-B641-421E-B315-AFCEF8F26F70}" type="datetimeFigureOut">
               <a:rPr lang="en-GB" smtClean="0"/>
-              <a:t>10/11/2016</a:t>
+              <a:t>11/11/2016</a:t>
             </a:fld>
             <a:endParaRPr lang="en-GB"/>
           </a:p>
@@ -1249,7 +1249,7 @@
           <a:p>
             <a:fld id="{B88BB0DE-B641-421E-B315-AFCEF8F26F70}" type="datetimeFigureOut">
               <a:rPr lang="en-GB" smtClean="0"/>
-              <a:t>10/11/2016</a:t>
+              <a:t>11/11/2016</a:t>
             </a:fld>
             <a:endParaRPr lang="en-GB"/>
           </a:p>
@@ -1616,7 +1616,7 @@
           <a:p>
             <a:fld id="{B88BB0DE-B641-421E-B315-AFCEF8F26F70}" type="datetimeFigureOut">
               <a:rPr lang="en-GB" smtClean="0"/>
-              <a:t>10/11/2016</a:t>
+              <a:t>11/11/2016</a:t>
             </a:fld>
             <a:endParaRPr lang="en-GB"/>
           </a:p>
@@ -1734,7 +1734,7 @@
           <a:p>
             <a:fld id="{B88BB0DE-B641-421E-B315-AFCEF8F26F70}" type="datetimeFigureOut">
               <a:rPr lang="en-GB" smtClean="0"/>
-              <a:t>10/11/2016</a:t>
+              <a:t>11/11/2016</a:t>
             </a:fld>
             <a:endParaRPr lang="en-GB"/>
           </a:p>
@@ -1829,7 +1829,7 @@
           <a:p>
             <a:fld id="{B88BB0DE-B641-421E-B315-AFCEF8F26F70}" type="datetimeFigureOut">
               <a:rPr lang="en-GB" smtClean="0"/>
-              <a:t>10/11/2016</a:t>
+              <a:t>11/11/2016</a:t>
             </a:fld>
             <a:endParaRPr lang="en-GB"/>
           </a:p>
@@ -2106,7 +2106,7 @@
           <a:p>
             <a:fld id="{B88BB0DE-B641-421E-B315-AFCEF8F26F70}" type="datetimeFigureOut">
               <a:rPr lang="en-GB" smtClean="0"/>
-              <a:t>10/11/2016</a:t>
+              <a:t>11/11/2016</a:t>
             </a:fld>
             <a:endParaRPr lang="en-GB"/>
           </a:p>
@@ -2359,7 +2359,7 @@
           <a:p>
             <a:fld id="{B88BB0DE-B641-421E-B315-AFCEF8F26F70}" type="datetimeFigureOut">
               <a:rPr lang="en-GB" smtClean="0"/>
-              <a:t>10/11/2016</a:t>
+              <a:t>11/11/2016</a:t>
             </a:fld>
             <a:endParaRPr lang="en-GB"/>
           </a:p>
@@ -2572,7 +2572,7 @@
           <a:p>
             <a:fld id="{B88BB0DE-B641-421E-B315-AFCEF8F26F70}" type="datetimeFigureOut">
               <a:rPr lang="en-GB" smtClean="0"/>
-              <a:t>10/11/2016</a:t>
+              <a:t>11/11/2016</a:t>
             </a:fld>
             <a:endParaRPr lang="en-GB"/>
           </a:p>
@@ -3148,7 +3148,7 @@
         <p:spPr>
           <a:xfrm>
             <a:off x="1263972" y="1527572"/>
-            <a:ext cx="4924927" cy="4893647"/>
+            <a:ext cx="5567651" cy="4893647"/>
           </a:xfrm>
           <a:prstGeom prst="rect">
             <a:avLst/>
@@ -3203,7 +3203,19 @@
               <a:rPr lang="en-GB" sz="2400" dirty="0">
                 <a:latin typeface="Moyko" panose="02000506080000020004" pitchFamily="2" charset="0"/>
               </a:rPr>
-              <a:t>- Benjamin ( Lead Art )</a:t>
+              <a:t>- Benjamin </a:t>
+            </a:r>
+            <a:r>
+              <a:rPr lang="en-GB" sz="2400" dirty="0" err="1">
+                <a:latin typeface="Moyko" panose="02000506080000020004" pitchFamily="2" charset="0"/>
+              </a:rPr>
+              <a:t>Vos</a:t>
+            </a:r>
+            <a:r>
+              <a:rPr lang="en-GB" sz="2400" dirty="0">
+                <a:latin typeface="Moyko" panose="02000506080000020004" pitchFamily="2" charset="0"/>
+              </a:rPr>
+              <a:t> ( Lead Art )</a:t>
             </a:r>
           </a:p>
           <a:p>
@@ -3267,10 +3279,16 @@
               <a:buChar char="-"/>
             </a:pPr>
             <a:r>
+              <a:rPr lang="en-GB" sz="2400" dirty="0">
+                <a:latin typeface="Moyko" panose="02000506080000020004" pitchFamily="2" charset="0"/>
+              </a:rPr>
+              <a:t>Rief </a:t>
+            </a:r>
+            <a:r>
               <a:rPr lang="en-GB" sz="2400" dirty="0" err="1">
                 <a:latin typeface="Moyko" panose="02000506080000020004" pitchFamily="2" charset="0"/>
               </a:rPr>
-              <a:t>Rief</a:t>
+              <a:t>Haalboom</a:t>
             </a:r>
             <a:r>
               <a:rPr lang="en-GB" sz="2400" dirty="0">
@@ -3309,7 +3327,7 @@
               <a:rPr lang="en-GB" sz="2400" dirty="0">
                 <a:latin typeface="Moyko" panose="02000506080000020004" pitchFamily="2" charset="0"/>
               </a:rPr>
-              <a:t>Paige ( </a:t>
+              <a:t>Paige Bemelmans ( </a:t>
             </a:r>
             <a:r>
               <a:rPr lang="en-GB" sz="2400" dirty="0" err="1">
@@ -3480,7 +3498,7 @@
         <p:spPr>
           <a:xfrm>
             <a:off x="1263972" y="1527572"/>
-            <a:ext cx="4924927" cy="4154984"/>
+            <a:ext cx="5013736" cy="4154984"/>
           </a:xfrm>
           <a:prstGeom prst="rect">
             <a:avLst/>
@@ -3503,7 +3521,7 @@
               <a:rPr lang="en-GB" sz="2400" dirty="0" err="1">
                 <a:latin typeface="Moyko" panose="02000506080000020004" pitchFamily="2" charset="0"/>
               </a:rPr>
-              <a:t>verhaal</a:t>
+              <a:t>Verhaal</a:t>
             </a:r>
             <a:endParaRPr lang="en-GB" sz="2400" dirty="0">
               <a:latin typeface="Moyko" panose="02000506080000020004" pitchFamily="2" charset="0"/>
@@ -3519,7 +3537,7 @@
               <a:rPr lang="en-GB" sz="2400" dirty="0">
                 <a:latin typeface="Moyko" panose="02000506080000020004" pitchFamily="2" charset="0"/>
               </a:rPr>
-              <a:t>- de Gameplay</a:t>
+              <a:t>- De Gameplay</a:t>
             </a:r>
           </a:p>
           <a:p>
